--- a/CSE280Wk1Day3.pptx
+++ b/CSE280Wk1Day3.pptx
@@ -134,13 +134,129 @@
 <file path=ppt/revisionInfo.xml><?xml version="1.0" encoding="utf-8"?>
 <p1510:revInfo xmlns:a="http://schemas.openxmlformats.org/drawingml/2006/main" xmlns:r="http://schemas.openxmlformats.org/officeDocument/2006/relationships" xmlns:p1510="http://schemas.microsoft.com/office/powerpoint/2015/10/main">
   <p1510:revLst>
-    <p1510:client id="{2FE604FD-1DF9-3A43-AB03-C0C9DCD94799}" v="10" dt="2023-09-15T14:49:26.187"/>
+    <p1510:client id="{5E159CAD-8FF9-CF40-AE25-9790E12EECAE}" v="19" dt="2024-01-12T18:33:43.046"/>
   </p1510:revLst>
 </p1510:revInfo>
 </file>
 
 <file path=ppt/changesInfos/changesInfo1.xml><?xml version="1.0" encoding="utf-8"?>
 <pc:chgInfo xmlns:a="http://schemas.openxmlformats.org/drawingml/2006/main" xmlns:r="http://schemas.openxmlformats.org/officeDocument/2006/relationships" xmlns:ac="http://schemas.microsoft.com/office/drawing/2013/main/command" xmlns:pc="http://schemas.microsoft.com/office/powerpoint/2013/main/command">
+  <pc:docChgLst>
+    <pc:chgData name="Clements, William" userId="cbdb0636-a496-422a-8d40-98c53d494d26" providerId="ADAL" clId="{5E159CAD-8FF9-CF40-AE25-9790E12EECAE}"/>
+    <pc:docChg chg="custSel modSld">
+      <pc:chgData name="Clements, William" userId="cbdb0636-a496-422a-8d40-98c53d494d26" providerId="ADAL" clId="{5E159CAD-8FF9-CF40-AE25-9790E12EECAE}" dt="2024-01-12T18:33:43.046" v="70" actId="20577"/>
+      <pc:docMkLst>
+        <pc:docMk/>
+      </pc:docMkLst>
+      <pc:sldChg chg="modSp modAnim">
+        <pc:chgData name="Clements, William" userId="cbdb0636-a496-422a-8d40-98c53d494d26" providerId="ADAL" clId="{5E159CAD-8FF9-CF40-AE25-9790E12EECAE}" dt="2024-01-12T18:33:02.351" v="62" actId="20577"/>
+        <pc:sldMkLst>
+          <pc:docMk/>
+          <pc:sldMk cId="3056618444" sldId="284"/>
+        </pc:sldMkLst>
+        <pc:spChg chg="mod">
+          <ac:chgData name="Clements, William" userId="cbdb0636-a496-422a-8d40-98c53d494d26" providerId="ADAL" clId="{5E159CAD-8FF9-CF40-AE25-9790E12EECAE}" dt="2024-01-12T18:33:02.351" v="62" actId="20577"/>
+          <ac:spMkLst>
+            <pc:docMk/>
+            <pc:sldMk cId="3056618444" sldId="284"/>
+            <ac:spMk id="3" creationId="{BD444E98-2185-4411-8B18-EF06CEF3D072}"/>
+          </ac:spMkLst>
+        </pc:spChg>
+      </pc:sldChg>
+      <pc:sldChg chg="modSp mod modAnim">
+        <pc:chgData name="Clements, William" userId="cbdb0636-a496-422a-8d40-98c53d494d26" providerId="ADAL" clId="{5E159CAD-8FF9-CF40-AE25-9790E12EECAE}" dt="2024-01-12T18:33:43.046" v="70" actId="20577"/>
+        <pc:sldMkLst>
+          <pc:docMk/>
+          <pc:sldMk cId="382615792" sldId="302"/>
+        </pc:sldMkLst>
+        <pc:spChg chg="mod">
+          <ac:chgData name="Clements, William" userId="cbdb0636-a496-422a-8d40-98c53d494d26" providerId="ADAL" clId="{5E159CAD-8FF9-CF40-AE25-9790E12EECAE}" dt="2024-01-12T18:33:43.046" v="70" actId="20577"/>
+          <ac:spMkLst>
+            <pc:docMk/>
+            <pc:sldMk cId="382615792" sldId="302"/>
+            <ac:spMk id="3" creationId="{BD444E98-2185-4411-8B18-EF06CEF3D072}"/>
+          </ac:spMkLst>
+        </pc:spChg>
+        <pc:spChg chg="mod">
+          <ac:chgData name="Clements, William" userId="cbdb0636-a496-422a-8d40-98c53d494d26" providerId="ADAL" clId="{5E159CAD-8FF9-CF40-AE25-9790E12EECAE}" dt="2024-01-12T18:33:30.853" v="66" actId="1076"/>
+          <ac:spMkLst>
+            <pc:docMk/>
+            <pc:sldMk cId="382615792" sldId="302"/>
+            <ac:spMk id="5" creationId="{8D484741-005A-4A32-9401-E906E5A891D5}"/>
+          </ac:spMkLst>
+        </pc:spChg>
+        <pc:spChg chg="mod">
+          <ac:chgData name="Clements, William" userId="cbdb0636-a496-422a-8d40-98c53d494d26" providerId="ADAL" clId="{5E159CAD-8FF9-CF40-AE25-9790E12EECAE}" dt="2024-01-12T18:33:25.973" v="65" actId="1076"/>
+          <ac:spMkLst>
+            <pc:docMk/>
+            <pc:sldMk cId="382615792" sldId="302"/>
+            <ac:spMk id="6" creationId="{1899C7D2-E65F-476C-A235-AD47C90C31BA}"/>
+          </ac:spMkLst>
+        </pc:spChg>
+        <pc:spChg chg="mod">
+          <ac:chgData name="Clements, William" userId="cbdb0636-a496-422a-8d40-98c53d494d26" providerId="ADAL" clId="{5E159CAD-8FF9-CF40-AE25-9790E12EECAE}" dt="2024-01-12T18:33:21.227" v="64" actId="1076"/>
+          <ac:spMkLst>
+            <pc:docMk/>
+            <pc:sldMk cId="382615792" sldId="302"/>
+            <ac:spMk id="7" creationId="{A27041D4-2B71-41BF-99C1-0EEE271ABF88}"/>
+          </ac:spMkLst>
+        </pc:spChg>
+        <pc:spChg chg="mod">
+          <ac:chgData name="Clements, William" userId="cbdb0636-a496-422a-8d40-98c53d494d26" providerId="ADAL" clId="{5E159CAD-8FF9-CF40-AE25-9790E12EECAE}" dt="2024-01-12T18:33:18.789" v="63" actId="1076"/>
+          <ac:spMkLst>
+            <pc:docMk/>
+            <pc:sldMk cId="382615792" sldId="302"/>
+            <ac:spMk id="8" creationId="{24577DC4-0EDB-4E8F-A714-864D76DD4186}"/>
+          </ac:spMkLst>
+        </pc:spChg>
+      </pc:sldChg>
+      <pc:sldChg chg="modSp mod">
+        <pc:chgData name="Clements, William" userId="cbdb0636-a496-422a-8d40-98c53d494d26" providerId="ADAL" clId="{5E159CAD-8FF9-CF40-AE25-9790E12EECAE}" dt="2024-01-12T18:31:29.982" v="47" actId="313"/>
+        <pc:sldMkLst>
+          <pc:docMk/>
+          <pc:sldMk cId="2686465120" sldId="310"/>
+        </pc:sldMkLst>
+        <pc:spChg chg="mod">
+          <ac:chgData name="Clements, William" userId="cbdb0636-a496-422a-8d40-98c53d494d26" providerId="ADAL" clId="{5E159CAD-8FF9-CF40-AE25-9790E12EECAE}" dt="2024-01-12T18:31:29.982" v="47" actId="313"/>
+          <ac:spMkLst>
+            <pc:docMk/>
+            <pc:sldMk cId="2686465120" sldId="310"/>
+            <ac:spMk id="2" creationId="{335EF504-E4CB-E243-AC32-2F09C46DAD39}"/>
+          </ac:spMkLst>
+        </pc:spChg>
+      </pc:sldChg>
+      <pc:sldChg chg="modSp mod">
+        <pc:chgData name="Clements, William" userId="cbdb0636-a496-422a-8d40-98c53d494d26" providerId="ADAL" clId="{5E159CAD-8FF9-CF40-AE25-9790E12EECAE}" dt="2024-01-12T17:58:26.411" v="0" actId="313"/>
+        <pc:sldMkLst>
+          <pc:docMk/>
+          <pc:sldMk cId="520364783" sldId="318"/>
+        </pc:sldMkLst>
+        <pc:spChg chg="mod">
+          <ac:chgData name="Clements, William" userId="cbdb0636-a496-422a-8d40-98c53d494d26" providerId="ADAL" clId="{5E159CAD-8FF9-CF40-AE25-9790E12EECAE}" dt="2024-01-12T17:58:26.411" v="0" actId="313"/>
+          <ac:spMkLst>
+            <pc:docMk/>
+            <pc:sldMk cId="520364783" sldId="318"/>
+            <ac:spMk id="3" creationId="{992C232C-69BA-53E4-3669-95FA3D3F7942}"/>
+          </ac:spMkLst>
+        </pc:spChg>
+      </pc:sldChg>
+      <pc:sldChg chg="modSp mod">
+        <pc:chgData name="Clements, William" userId="cbdb0636-a496-422a-8d40-98c53d494d26" providerId="ADAL" clId="{5E159CAD-8FF9-CF40-AE25-9790E12EECAE}" dt="2024-01-12T18:29:46.485" v="28" actId="20577"/>
+        <pc:sldMkLst>
+          <pc:docMk/>
+          <pc:sldMk cId="4291617032" sldId="328"/>
+        </pc:sldMkLst>
+        <pc:spChg chg="mod">
+          <ac:chgData name="Clements, William" userId="cbdb0636-a496-422a-8d40-98c53d494d26" providerId="ADAL" clId="{5E159CAD-8FF9-CF40-AE25-9790E12EECAE}" dt="2024-01-12T18:29:46.485" v="28" actId="20577"/>
+          <ac:spMkLst>
+            <pc:docMk/>
+            <pc:sldMk cId="4291617032" sldId="328"/>
+            <ac:spMk id="5" creationId="{BC33564E-DE62-DCCD-DB88-29F0B18FC7AF}"/>
+          </ac:spMkLst>
+        </pc:spChg>
+      </pc:sldChg>
+    </pc:docChg>
+  </pc:docChgLst>
   <pc:docChgLst>
     <pc:chgData name="Clements, William" userId="cbdb0636-a496-422a-8d40-98c53d494d26" providerId="ADAL" clId="{2FE604FD-1DF9-3A43-AB03-C0C9DCD94799}"/>
     <pc:docChg chg="custSel addSld delSld modSld sldOrd">
@@ -459,7 +575,7 @@
           <a:p>
             <a:fld id="{9DF428DF-C085-BA4E-9C56-3300E85F17C6}" type="datetimeFigureOut">
               <a:rPr lang="en-US" smtClean="0"/>
-              <a:t>9/15/23</a:t>
+              <a:t>1/12/24</a:t>
             </a:fld>
             <a:endParaRPr lang="en-US"/>
           </a:p>
@@ -629,7 +745,7 @@
           <a:p>
             <a:fld id="{9DF428DF-C085-BA4E-9C56-3300E85F17C6}" type="datetimeFigureOut">
               <a:rPr lang="en-US" smtClean="0"/>
-              <a:t>9/15/23</a:t>
+              <a:t>1/12/24</a:t>
             </a:fld>
             <a:endParaRPr lang="en-US"/>
           </a:p>
@@ -809,7 +925,7 @@
           <a:p>
             <a:fld id="{9DF428DF-C085-BA4E-9C56-3300E85F17C6}" type="datetimeFigureOut">
               <a:rPr lang="en-US" smtClean="0"/>
-              <a:t>9/15/23</a:t>
+              <a:t>1/12/24</a:t>
             </a:fld>
             <a:endParaRPr lang="en-US"/>
           </a:p>
@@ -979,7 +1095,7 @@
           <a:p>
             <a:fld id="{9DF428DF-C085-BA4E-9C56-3300E85F17C6}" type="datetimeFigureOut">
               <a:rPr lang="en-US" smtClean="0"/>
-              <a:t>9/15/23</a:t>
+              <a:t>1/12/24</a:t>
             </a:fld>
             <a:endParaRPr lang="en-US"/>
           </a:p>
@@ -1225,7 +1341,7 @@
           <a:p>
             <a:fld id="{9DF428DF-C085-BA4E-9C56-3300E85F17C6}" type="datetimeFigureOut">
               <a:rPr lang="en-US" smtClean="0"/>
-              <a:t>9/15/23</a:t>
+              <a:t>1/12/24</a:t>
             </a:fld>
             <a:endParaRPr lang="en-US"/>
           </a:p>
@@ -1457,7 +1573,7 @@
           <a:p>
             <a:fld id="{9DF428DF-C085-BA4E-9C56-3300E85F17C6}" type="datetimeFigureOut">
               <a:rPr lang="en-US" smtClean="0"/>
-              <a:t>9/15/23</a:t>
+              <a:t>1/12/24</a:t>
             </a:fld>
             <a:endParaRPr lang="en-US"/>
           </a:p>
@@ -1824,7 +1940,7 @@
           <a:p>
             <a:fld id="{9DF428DF-C085-BA4E-9C56-3300E85F17C6}" type="datetimeFigureOut">
               <a:rPr lang="en-US" smtClean="0"/>
-              <a:t>9/15/23</a:t>
+              <a:t>1/12/24</a:t>
             </a:fld>
             <a:endParaRPr lang="en-US"/>
           </a:p>
@@ -1942,7 +2058,7 @@
           <a:p>
             <a:fld id="{9DF428DF-C085-BA4E-9C56-3300E85F17C6}" type="datetimeFigureOut">
               <a:rPr lang="en-US" smtClean="0"/>
-              <a:t>9/15/23</a:t>
+              <a:t>1/12/24</a:t>
             </a:fld>
             <a:endParaRPr lang="en-US"/>
           </a:p>
@@ -2037,7 +2153,7 @@
           <a:p>
             <a:fld id="{9DF428DF-C085-BA4E-9C56-3300E85F17C6}" type="datetimeFigureOut">
               <a:rPr lang="en-US" smtClean="0"/>
-              <a:t>9/15/23</a:t>
+              <a:t>1/12/24</a:t>
             </a:fld>
             <a:endParaRPr lang="en-US"/>
           </a:p>
@@ -2314,7 +2430,7 @@
           <a:p>
             <a:fld id="{9DF428DF-C085-BA4E-9C56-3300E85F17C6}" type="datetimeFigureOut">
               <a:rPr lang="en-US" smtClean="0"/>
-              <a:t>9/15/23</a:t>
+              <a:t>1/12/24</a:t>
             </a:fld>
             <a:endParaRPr lang="en-US"/>
           </a:p>
@@ -2571,7 +2687,7 @@
           <a:p>
             <a:fld id="{9DF428DF-C085-BA4E-9C56-3300E85F17C6}" type="datetimeFigureOut">
               <a:rPr lang="en-US" smtClean="0"/>
-              <a:t>9/15/23</a:t>
+              <a:t>1/12/24</a:t>
             </a:fld>
             <a:endParaRPr lang="en-US"/>
           </a:p>
@@ -2784,7 +2900,7 @@
           <a:p>
             <a:fld id="{9DF428DF-C085-BA4E-9C56-3300E85F17C6}" type="datetimeFigureOut">
               <a:rPr lang="en-US" smtClean="0"/>
-              <a:t>9/15/23</a:t>
+              <a:t>1/12/24</a:t>
             </a:fld>
             <a:endParaRPr lang="en-US"/>
           </a:p>
@@ -5351,8 +5467,8 @@
           </p:sp>
         </mc:Fallback>
       </mc:AlternateContent>
-      <mc:AlternateContent xmlns:mc="http://schemas.openxmlformats.org/markup-compatibility/2006" xmlns:a14="http://schemas.microsoft.com/office/drawing/2010/main">
-        <mc:Choice Requires="a14">
+      <mc:AlternateContent xmlns:mc="http://schemas.openxmlformats.org/markup-compatibility/2006">
+        <mc:Choice xmlns:a14="http://schemas.microsoft.com/office/drawing/2010/main" Requires="a14">
           <p:sp>
             <p:nvSpPr>
               <p:cNvPr id="3" name="Content Placeholder 2">
@@ -5433,10 +5549,16 @@
                 </a:pPr>
                 <a:r>
                   <a:rPr lang="en-US" dirty="0"/>
-                  <a:t>Conditional:	</a:t>
+                  <a:t>Conditional:		</a:t>
                 </a:r>
                 <a14:m>
                   <m:oMath xmlns:m="http://schemas.openxmlformats.org/officeDocument/2006/math">
+                    <m:r>
+                      <a:rPr lang="en-US" b="0" i="0" smtClean="0">
+                        <a:latin typeface="Cambria Math" panose="02040503050406030204" pitchFamily="18" charset="0"/>
+                      </a:rPr>
+                      <m:t>    </m:t>
+                    </m:r>
                     <m:r>
                       <a:rPr lang="en-US" b="0" i="1" smtClean="0">
                         <a:latin typeface="Cambria Math" panose="02040503050406030204" pitchFamily="18" charset="0"/>
@@ -5468,10 +5590,16 @@
                 </a:pPr>
                 <a:r>
                   <a:rPr lang="en-US" dirty="0"/>
-                  <a:t>Converse: 	</a:t>
+                  <a:t>Converse: 		</a:t>
                 </a:r>
                 <a14:m>
                   <m:oMath xmlns:m="http://schemas.openxmlformats.org/officeDocument/2006/math">
+                    <m:r>
+                      <a:rPr lang="en-US" b="0" i="0" smtClean="0">
+                        <a:latin typeface="Cambria Math" panose="02040503050406030204" pitchFamily="18" charset="0"/>
+                      </a:rPr>
+                      <m:t>   </m:t>
+                    </m:r>
                     <m:r>
                       <a:rPr lang="en-US" b="0" i="1" smtClean="0">
                         <a:latin typeface="Cambria Math" panose="02040503050406030204" pitchFamily="18" charset="0"/>
@@ -5506,7 +5634,7 @@
                 </a:pPr>
                 <a:r>
                   <a:rPr lang="en-US" dirty="0"/>
-                  <a:t>Inverse: 	</a:t>
+                  <a:t>Inverse: 		</a:t>
                 </a:r>
                 <a14:m>
                   <m:oMath xmlns:m="http://schemas.openxmlformats.org/officeDocument/2006/math">
@@ -5591,7 +5719,7 @@
             </p:txBody>
           </p:sp>
         </mc:Choice>
-        <mc:Fallback xmlns="">
+        <mc:Fallback>
           <p:sp>
             <p:nvSpPr>
               <p:cNvPr id="3" name="Content Placeholder 2">
@@ -5616,7 +5744,7 @@
               <a:blipFill>
                 <a:blip r:embed="rId3"/>
                 <a:stretch>
-                  <a:fillRect l="-533" t="-1308"/>
+                  <a:fillRect l="-1232" t="-2410"/>
                 </a:stretch>
               </a:blipFill>
             </p:spPr>
@@ -5806,7 +5934,7 @@
                             </p:stCondLst>
                             <p:childTnLst>
                               <p:par>
-                                <p:cTn id="5" presetID="1" presetClass="entr" presetSubtype="0" fill="hold" nodeType="clickEffect">
+                                <p:cTn id="5" presetID="1" presetClass="entr" presetSubtype="0" fill="hold" grpId="0" nodeType="clickEffect">
                                   <p:stCondLst>
                                     <p:cond delay="0"/>
                                   </p:stCondLst>
@@ -5819,11 +5947,7 @@
                                           </p:stCondLst>
                                         </p:cTn>
                                         <p:tgtEl>
-                                          <p:spTgt spid="3">
-                                            <p:txEl>
-                                              <p:pRg st="3" end="3"/>
-                                            </p:txEl>
-                                          </p:spTgt>
+                                          <p:spTgt spid="5"/>
                                         </p:tgtEl>
                                         <p:attrNameLst>
                                           <p:attrName>style.visibility</p:attrName>
@@ -5868,7 +5992,7 @@
                                           </p:stCondLst>
                                         </p:cTn>
                                         <p:tgtEl>
-                                          <p:spTgt spid="5"/>
+                                          <p:spTgt spid="6"/>
                                         </p:tgtEl>
                                         <p:attrNameLst>
                                           <p:attrName>style.visibility</p:attrName>
@@ -5900,7 +6024,7 @@
                             </p:stCondLst>
                             <p:childTnLst>
                               <p:par>
-                                <p:cTn id="13" presetID="1" presetClass="entr" presetSubtype="0" fill="hold" nodeType="clickEffect">
+                                <p:cTn id="13" presetID="1" presetClass="entr" presetSubtype="0" fill="hold" grpId="0" nodeType="clickEffect">
                                   <p:stCondLst>
                                     <p:cond delay="0"/>
                                   </p:stCondLst>
@@ -5913,11 +6037,7 @@
                                           </p:stCondLst>
                                         </p:cTn>
                                         <p:tgtEl>
-                                          <p:spTgt spid="3">
-                                            <p:txEl>
-                                              <p:pRg st="4" end="4"/>
-                                            </p:txEl>
-                                          </p:spTgt>
+                                          <p:spTgt spid="7"/>
                                         </p:tgtEl>
                                         <p:attrNameLst>
                                           <p:attrName>style.visibility</p:attrName>
@@ -5957,194 +6077,6 @@
                                     <p:set>
                                       <p:cBhvr>
                                         <p:cTn id="18" dur="1" fill="hold">
-                                          <p:stCondLst>
-                                            <p:cond delay="0"/>
-                                          </p:stCondLst>
-                                        </p:cTn>
-                                        <p:tgtEl>
-                                          <p:spTgt spid="6"/>
-                                        </p:tgtEl>
-                                        <p:attrNameLst>
-                                          <p:attrName>style.visibility</p:attrName>
-                                        </p:attrNameLst>
-                                      </p:cBhvr>
-                                      <p:to>
-                                        <p:strVal val="visible"/>
-                                      </p:to>
-                                    </p:set>
-                                  </p:childTnLst>
-                                </p:cTn>
-                              </p:par>
-                            </p:childTnLst>
-                          </p:cTn>
-                        </p:par>
-                      </p:childTnLst>
-                    </p:cTn>
-                  </p:par>
-                  <p:par>
-                    <p:cTn id="19" fill="hold">
-                      <p:stCondLst>
-                        <p:cond delay="indefinite"/>
-                      </p:stCondLst>
-                      <p:childTnLst>
-                        <p:par>
-                          <p:cTn id="20" fill="hold">
-                            <p:stCondLst>
-                              <p:cond delay="0"/>
-                            </p:stCondLst>
-                            <p:childTnLst>
-                              <p:par>
-                                <p:cTn id="21" presetID="1" presetClass="entr" presetSubtype="0" fill="hold" nodeType="clickEffect">
-                                  <p:stCondLst>
-                                    <p:cond delay="0"/>
-                                  </p:stCondLst>
-                                  <p:childTnLst>
-                                    <p:set>
-                                      <p:cBhvr>
-                                        <p:cTn id="22" dur="1" fill="hold">
-                                          <p:stCondLst>
-                                            <p:cond delay="0"/>
-                                          </p:stCondLst>
-                                        </p:cTn>
-                                        <p:tgtEl>
-                                          <p:spTgt spid="3">
-                                            <p:txEl>
-                                              <p:pRg st="5" end="5"/>
-                                            </p:txEl>
-                                          </p:spTgt>
-                                        </p:tgtEl>
-                                        <p:attrNameLst>
-                                          <p:attrName>style.visibility</p:attrName>
-                                        </p:attrNameLst>
-                                      </p:cBhvr>
-                                      <p:to>
-                                        <p:strVal val="visible"/>
-                                      </p:to>
-                                    </p:set>
-                                  </p:childTnLst>
-                                </p:cTn>
-                              </p:par>
-                            </p:childTnLst>
-                          </p:cTn>
-                        </p:par>
-                      </p:childTnLst>
-                    </p:cTn>
-                  </p:par>
-                  <p:par>
-                    <p:cTn id="23" fill="hold">
-                      <p:stCondLst>
-                        <p:cond delay="indefinite"/>
-                      </p:stCondLst>
-                      <p:childTnLst>
-                        <p:par>
-                          <p:cTn id="24" fill="hold">
-                            <p:stCondLst>
-                              <p:cond delay="0"/>
-                            </p:stCondLst>
-                            <p:childTnLst>
-                              <p:par>
-                                <p:cTn id="25" presetID="1" presetClass="entr" presetSubtype="0" fill="hold" grpId="0" nodeType="clickEffect">
-                                  <p:stCondLst>
-                                    <p:cond delay="0"/>
-                                  </p:stCondLst>
-                                  <p:childTnLst>
-                                    <p:set>
-                                      <p:cBhvr>
-                                        <p:cTn id="26" dur="1" fill="hold">
-                                          <p:stCondLst>
-                                            <p:cond delay="0"/>
-                                          </p:stCondLst>
-                                        </p:cTn>
-                                        <p:tgtEl>
-                                          <p:spTgt spid="7"/>
-                                        </p:tgtEl>
-                                        <p:attrNameLst>
-                                          <p:attrName>style.visibility</p:attrName>
-                                        </p:attrNameLst>
-                                      </p:cBhvr>
-                                      <p:to>
-                                        <p:strVal val="visible"/>
-                                      </p:to>
-                                    </p:set>
-                                  </p:childTnLst>
-                                </p:cTn>
-                              </p:par>
-                            </p:childTnLst>
-                          </p:cTn>
-                        </p:par>
-                      </p:childTnLst>
-                    </p:cTn>
-                  </p:par>
-                  <p:par>
-                    <p:cTn id="27" fill="hold">
-                      <p:stCondLst>
-                        <p:cond delay="indefinite"/>
-                      </p:stCondLst>
-                      <p:childTnLst>
-                        <p:par>
-                          <p:cTn id="28" fill="hold">
-                            <p:stCondLst>
-                              <p:cond delay="0"/>
-                            </p:stCondLst>
-                            <p:childTnLst>
-                              <p:par>
-                                <p:cTn id="29" presetID="1" presetClass="entr" presetSubtype="0" fill="hold" nodeType="clickEffect">
-                                  <p:stCondLst>
-                                    <p:cond delay="0"/>
-                                  </p:stCondLst>
-                                  <p:childTnLst>
-                                    <p:set>
-                                      <p:cBhvr>
-                                        <p:cTn id="30" dur="1" fill="hold">
-                                          <p:stCondLst>
-                                            <p:cond delay="0"/>
-                                          </p:stCondLst>
-                                        </p:cTn>
-                                        <p:tgtEl>
-                                          <p:spTgt spid="3">
-                                            <p:txEl>
-                                              <p:pRg st="6" end="6"/>
-                                            </p:txEl>
-                                          </p:spTgt>
-                                        </p:tgtEl>
-                                        <p:attrNameLst>
-                                          <p:attrName>style.visibility</p:attrName>
-                                        </p:attrNameLst>
-                                      </p:cBhvr>
-                                      <p:to>
-                                        <p:strVal val="visible"/>
-                                      </p:to>
-                                    </p:set>
-                                  </p:childTnLst>
-                                </p:cTn>
-                              </p:par>
-                            </p:childTnLst>
-                          </p:cTn>
-                        </p:par>
-                      </p:childTnLst>
-                    </p:cTn>
-                  </p:par>
-                  <p:par>
-                    <p:cTn id="31" fill="hold">
-                      <p:stCondLst>
-                        <p:cond delay="indefinite"/>
-                      </p:stCondLst>
-                      <p:childTnLst>
-                        <p:par>
-                          <p:cTn id="32" fill="hold">
-                            <p:stCondLst>
-                              <p:cond delay="0"/>
-                            </p:stCondLst>
-                            <p:childTnLst>
-                              <p:par>
-                                <p:cTn id="33" presetID="1" presetClass="entr" presetSubtype="0" fill="hold" grpId="0" nodeType="clickEffect">
-                                  <p:stCondLst>
-                                    <p:cond delay="0"/>
-                                  </p:stCondLst>
-                                  <p:childTnLst>
-                                    <p:set>
-                                      <p:cBhvr>
-                                        <p:cTn id="34" dur="1" fill="hold">
                                           <p:stCondLst>
                                             <p:cond delay="0"/>
                                           </p:stCondLst>
@@ -6311,8 +6243,8 @@
           </p:sp>
         </mc:Fallback>
       </mc:AlternateContent>
-      <mc:AlternateContent xmlns:mc="http://schemas.openxmlformats.org/markup-compatibility/2006" xmlns:a14="http://schemas.microsoft.com/office/drawing/2010/main">
-        <mc:Choice Requires="a14">
+      <mc:AlternateContent xmlns:mc="http://schemas.openxmlformats.org/markup-compatibility/2006">
+        <mc:Choice xmlns:a14="http://schemas.microsoft.com/office/drawing/2010/main" Requires="a14">
           <p:sp>
             <p:nvSpPr>
               <p:cNvPr id="3" name="Content Placeholder 2">
@@ -6393,7 +6325,7 @@
                 </a:pPr>
                 <a:r>
                   <a:rPr lang="en-US" dirty="0"/>
-                  <a:t>Conditional:	</a:t>
+                  <a:t>Conditional:		</a:t>
                 </a:r>
                 <a14:m>
                   <m:oMath xmlns:m="http://schemas.openxmlformats.org/officeDocument/2006/math">
@@ -6428,7 +6360,7 @@
                 </a:pPr>
                 <a:r>
                   <a:rPr lang="en-US" dirty="0"/>
-                  <a:t>Converse: 	</a:t>
+                  <a:t>Converse: 		</a:t>
                 </a:r>
                 <a14:m>
                   <m:oMath xmlns:m="http://schemas.openxmlformats.org/officeDocument/2006/math">
@@ -6466,7 +6398,7 @@
                 </a:pPr>
                 <a:r>
                   <a:rPr lang="en-US" dirty="0"/>
-                  <a:t>Inverse: 	</a:t>
+                  <a:t>Inverse: 		</a:t>
                 </a:r>
                 <a14:m>
                   <m:oMath xmlns:m="http://schemas.openxmlformats.org/officeDocument/2006/math">
@@ -6551,7 +6483,7 @@
             </p:txBody>
           </p:sp>
         </mc:Choice>
-        <mc:Fallback xmlns="">
+        <mc:Fallback>
           <p:sp>
             <p:nvSpPr>
               <p:cNvPr id="3" name="Content Placeholder 2">
@@ -6576,7 +6508,7 @@
               <a:blipFill>
                 <a:blip r:embed="rId3"/>
                 <a:stretch>
-                  <a:fillRect l="-533" t="-1308"/>
+                  <a:fillRect l="-1232" t="-2410"/>
                 </a:stretch>
               </a:blipFill>
             </p:spPr>
@@ -6609,7 +6541,7 @@
         </p:nvSpPr>
         <p:spPr>
           <a:xfrm>
-            <a:off x="4793381" y="3427400"/>
+            <a:off x="5663713" y="3650399"/>
             <a:ext cx="6102953" cy="369332"/>
           </a:xfrm>
           <a:prstGeom prst="rect">
@@ -6644,7 +6576,7 @@
         </p:nvSpPr>
         <p:spPr>
           <a:xfrm>
-            <a:off x="4793381" y="3811736"/>
+            <a:off x="5663713" y="4110288"/>
             <a:ext cx="6301725" cy="369332"/>
           </a:xfrm>
           <a:prstGeom prst="rect">
@@ -6679,7 +6611,7 @@
         </p:nvSpPr>
         <p:spPr>
           <a:xfrm>
-            <a:off x="4793381" y="4276399"/>
+            <a:off x="5663713" y="4660735"/>
             <a:ext cx="7356501" cy="369332"/>
           </a:xfrm>
           <a:prstGeom prst="rect">
@@ -6714,7 +6646,7 @@
         </p:nvSpPr>
         <p:spPr>
           <a:xfrm>
-            <a:off x="4793381" y="4741062"/>
+            <a:off x="5663713" y="5171214"/>
             <a:ext cx="7258718" cy="369332"/>
           </a:xfrm>
           <a:prstGeom prst="rect">
@@ -6766,7 +6698,7 @@
                             </p:stCondLst>
                             <p:childTnLst>
                               <p:par>
-                                <p:cTn id="5" presetID="1" presetClass="entr" presetSubtype="0" fill="hold" nodeType="clickEffect">
+                                <p:cTn id="5" presetID="1" presetClass="entr" presetSubtype="0" fill="hold" grpId="0" nodeType="clickEffect">
                                   <p:stCondLst>
                                     <p:cond delay="0"/>
                                   </p:stCondLst>
@@ -6779,11 +6711,7 @@
                                           </p:stCondLst>
                                         </p:cTn>
                                         <p:tgtEl>
-                                          <p:spTgt spid="3">
-                                            <p:txEl>
-                                              <p:pRg st="3" end="3"/>
-                                            </p:txEl>
-                                          </p:spTgt>
+                                          <p:spTgt spid="5"/>
                                         </p:tgtEl>
                                         <p:attrNameLst>
                                           <p:attrName>style.visibility</p:attrName>
@@ -6828,7 +6756,7 @@
                                           </p:stCondLst>
                                         </p:cTn>
                                         <p:tgtEl>
-                                          <p:spTgt spid="5"/>
+                                          <p:spTgt spid="6"/>
                                         </p:tgtEl>
                                         <p:attrNameLst>
                                           <p:attrName>style.visibility</p:attrName>
@@ -6860,7 +6788,7 @@
                             </p:stCondLst>
                             <p:childTnLst>
                               <p:par>
-                                <p:cTn id="13" presetID="1" presetClass="entr" presetSubtype="0" fill="hold" nodeType="clickEffect">
+                                <p:cTn id="13" presetID="1" presetClass="entr" presetSubtype="0" fill="hold" grpId="0" nodeType="clickEffect">
                                   <p:stCondLst>
                                     <p:cond delay="0"/>
                                   </p:stCondLst>
@@ -6873,11 +6801,7 @@
                                           </p:stCondLst>
                                         </p:cTn>
                                         <p:tgtEl>
-                                          <p:spTgt spid="3">
-                                            <p:txEl>
-                                              <p:pRg st="4" end="4"/>
-                                            </p:txEl>
-                                          </p:spTgt>
+                                          <p:spTgt spid="7"/>
                                         </p:tgtEl>
                                         <p:attrNameLst>
                                           <p:attrName>style.visibility</p:attrName>
@@ -6917,194 +6841,6 @@
                                     <p:set>
                                       <p:cBhvr>
                                         <p:cTn id="18" dur="1" fill="hold">
-                                          <p:stCondLst>
-                                            <p:cond delay="0"/>
-                                          </p:stCondLst>
-                                        </p:cTn>
-                                        <p:tgtEl>
-                                          <p:spTgt spid="6"/>
-                                        </p:tgtEl>
-                                        <p:attrNameLst>
-                                          <p:attrName>style.visibility</p:attrName>
-                                        </p:attrNameLst>
-                                      </p:cBhvr>
-                                      <p:to>
-                                        <p:strVal val="visible"/>
-                                      </p:to>
-                                    </p:set>
-                                  </p:childTnLst>
-                                </p:cTn>
-                              </p:par>
-                            </p:childTnLst>
-                          </p:cTn>
-                        </p:par>
-                      </p:childTnLst>
-                    </p:cTn>
-                  </p:par>
-                  <p:par>
-                    <p:cTn id="19" fill="hold">
-                      <p:stCondLst>
-                        <p:cond delay="indefinite"/>
-                      </p:stCondLst>
-                      <p:childTnLst>
-                        <p:par>
-                          <p:cTn id="20" fill="hold">
-                            <p:stCondLst>
-                              <p:cond delay="0"/>
-                            </p:stCondLst>
-                            <p:childTnLst>
-                              <p:par>
-                                <p:cTn id="21" presetID="1" presetClass="entr" presetSubtype="0" fill="hold" nodeType="clickEffect">
-                                  <p:stCondLst>
-                                    <p:cond delay="0"/>
-                                  </p:stCondLst>
-                                  <p:childTnLst>
-                                    <p:set>
-                                      <p:cBhvr>
-                                        <p:cTn id="22" dur="1" fill="hold">
-                                          <p:stCondLst>
-                                            <p:cond delay="0"/>
-                                          </p:stCondLst>
-                                        </p:cTn>
-                                        <p:tgtEl>
-                                          <p:spTgt spid="3">
-                                            <p:txEl>
-                                              <p:pRg st="5" end="5"/>
-                                            </p:txEl>
-                                          </p:spTgt>
-                                        </p:tgtEl>
-                                        <p:attrNameLst>
-                                          <p:attrName>style.visibility</p:attrName>
-                                        </p:attrNameLst>
-                                      </p:cBhvr>
-                                      <p:to>
-                                        <p:strVal val="visible"/>
-                                      </p:to>
-                                    </p:set>
-                                  </p:childTnLst>
-                                </p:cTn>
-                              </p:par>
-                            </p:childTnLst>
-                          </p:cTn>
-                        </p:par>
-                      </p:childTnLst>
-                    </p:cTn>
-                  </p:par>
-                  <p:par>
-                    <p:cTn id="23" fill="hold">
-                      <p:stCondLst>
-                        <p:cond delay="indefinite"/>
-                      </p:stCondLst>
-                      <p:childTnLst>
-                        <p:par>
-                          <p:cTn id="24" fill="hold">
-                            <p:stCondLst>
-                              <p:cond delay="0"/>
-                            </p:stCondLst>
-                            <p:childTnLst>
-                              <p:par>
-                                <p:cTn id="25" presetID="1" presetClass="entr" presetSubtype="0" fill="hold" grpId="0" nodeType="clickEffect">
-                                  <p:stCondLst>
-                                    <p:cond delay="0"/>
-                                  </p:stCondLst>
-                                  <p:childTnLst>
-                                    <p:set>
-                                      <p:cBhvr>
-                                        <p:cTn id="26" dur="1" fill="hold">
-                                          <p:stCondLst>
-                                            <p:cond delay="0"/>
-                                          </p:stCondLst>
-                                        </p:cTn>
-                                        <p:tgtEl>
-                                          <p:spTgt spid="7"/>
-                                        </p:tgtEl>
-                                        <p:attrNameLst>
-                                          <p:attrName>style.visibility</p:attrName>
-                                        </p:attrNameLst>
-                                      </p:cBhvr>
-                                      <p:to>
-                                        <p:strVal val="visible"/>
-                                      </p:to>
-                                    </p:set>
-                                  </p:childTnLst>
-                                </p:cTn>
-                              </p:par>
-                            </p:childTnLst>
-                          </p:cTn>
-                        </p:par>
-                      </p:childTnLst>
-                    </p:cTn>
-                  </p:par>
-                  <p:par>
-                    <p:cTn id="27" fill="hold">
-                      <p:stCondLst>
-                        <p:cond delay="indefinite"/>
-                      </p:stCondLst>
-                      <p:childTnLst>
-                        <p:par>
-                          <p:cTn id="28" fill="hold">
-                            <p:stCondLst>
-                              <p:cond delay="0"/>
-                            </p:stCondLst>
-                            <p:childTnLst>
-                              <p:par>
-                                <p:cTn id="29" presetID="1" presetClass="entr" presetSubtype="0" fill="hold" nodeType="clickEffect">
-                                  <p:stCondLst>
-                                    <p:cond delay="0"/>
-                                  </p:stCondLst>
-                                  <p:childTnLst>
-                                    <p:set>
-                                      <p:cBhvr>
-                                        <p:cTn id="30" dur="1" fill="hold">
-                                          <p:stCondLst>
-                                            <p:cond delay="0"/>
-                                          </p:stCondLst>
-                                        </p:cTn>
-                                        <p:tgtEl>
-                                          <p:spTgt spid="3">
-                                            <p:txEl>
-                                              <p:pRg st="6" end="6"/>
-                                            </p:txEl>
-                                          </p:spTgt>
-                                        </p:tgtEl>
-                                        <p:attrNameLst>
-                                          <p:attrName>style.visibility</p:attrName>
-                                        </p:attrNameLst>
-                                      </p:cBhvr>
-                                      <p:to>
-                                        <p:strVal val="visible"/>
-                                      </p:to>
-                                    </p:set>
-                                  </p:childTnLst>
-                                </p:cTn>
-                              </p:par>
-                            </p:childTnLst>
-                          </p:cTn>
-                        </p:par>
-                      </p:childTnLst>
-                    </p:cTn>
-                  </p:par>
-                  <p:par>
-                    <p:cTn id="31" fill="hold">
-                      <p:stCondLst>
-                        <p:cond delay="indefinite"/>
-                      </p:stCondLst>
-                      <p:childTnLst>
-                        <p:par>
-                          <p:cTn id="32" fill="hold">
-                            <p:stCondLst>
-                              <p:cond delay="0"/>
-                            </p:stCondLst>
-                            <p:childTnLst>
-                              <p:par>
-                                <p:cTn id="33" presetID="1" presetClass="entr" presetSubtype="0" fill="hold" grpId="0" nodeType="clickEffect">
-                                  <p:stCondLst>
-                                    <p:cond delay="0"/>
-                                  </p:stCondLst>
-                                  <p:childTnLst>
-                                    <p:set>
-                                      <p:cBhvr>
-                                        <p:cTn id="34" dur="1" fill="hold">
                                           <p:stCondLst>
                                             <p:cond delay="0"/>
                                           </p:stCondLst>
@@ -10509,7 +10245,7 @@
           <a:p>
             <a:r>
               <a:rPr lang="en-US" dirty="0"/>
-              <a:t>        #        p        q        p and q          p or q          not p or q         p and not q'</a:t>
+              <a:t>        #              p               q          p and q            p or q                not p or q              p and not q'</a:t>
             </a:r>
           </a:p>
           <a:p>
@@ -12079,15 +11815,7 @@
             </a:r>
             <a:r>
               <a:rPr lang="en-US" dirty="0"/>
-              <a:t>		++/-- --&gt; Same </a:t>
-            </a:r>
-            <a:r>
-              <a:rPr lang="en-US" dirty="0" err="1"/>
-              <a:t>thier</a:t>
-            </a:r>
-            <a:r>
-              <a:rPr lang="en-US" dirty="0"/>
-              <a:t> False, else true</a:t>
+              <a:t>		++/-- --&gt; Same their False, else true</a:t>
             </a:r>
           </a:p>
         </p:txBody>
@@ -12291,7 +12019,7 @@
           <a:p>
             <a:r>
               <a:rPr lang="en-US" dirty="0"/>
-              <a:t>Truth Tables</a:t>
+              <a:t>Truth Tables (cardinality) </a:t>
             </a:r>
           </a:p>
         </p:txBody>
